--- a/slides/Project 1 Analysis of SAT and ACT Participation Rates.pptx
+++ b/slides/Project 1 Analysis of SAT and ACT Participation Rates.pptx
@@ -296,6 +296,7 @@
 <file path=ppt/revisionInfo.xml><?xml version="1.0" encoding="utf-8"?>
 <p1510:revInfo xmlns:a="http://schemas.openxmlformats.org/drawingml/2006/main" xmlns:r="http://schemas.openxmlformats.org/officeDocument/2006/relationships" xmlns:p1510="http://schemas.microsoft.com/office/powerpoint/2015/10/main">
   <p1510:revLst>
+    <p1510:client id="{1AE77919-A9C8-48D4-A53C-3182F16DBDD5}" v="1" dt="2022-11-04T01:06:31.534"/>
     <p1510:client id="{64AF1D07-1C3C-428E-B9FD-4CFFCC9585A4}" v="123" dt="2022-11-03T19:17:13.445"/>
   </p1510:revLst>
 </p1510:revInfo>
@@ -305,13 +306,28 @@
 <pc:chgInfo xmlns:a="http://schemas.openxmlformats.org/drawingml/2006/main" xmlns:r="http://schemas.openxmlformats.org/officeDocument/2006/relationships" xmlns:ac="http://schemas.microsoft.com/office/drawing/2013/main/command" xmlns:pc="http://schemas.microsoft.com/office/powerpoint/2013/main/command">
   <pc:docChgLst>
     <pc:chgData name="Kenneth Goh" userId="53cb987dbea60a31" providerId="LiveId" clId="{1AE77919-A9C8-48D4-A53C-3182F16DBDD5}"/>
-    <pc:docChg chg="modSld">
-      <pc:chgData name="Kenneth Goh" userId="53cb987dbea60a31" providerId="LiveId" clId="{1AE77919-A9C8-48D4-A53C-3182F16DBDD5}" dt="2022-11-03T19:42:03.002" v="73" actId="14100"/>
+    <pc:docChg chg="custSel modSld">
+      <pc:chgData name="Kenneth Goh" userId="53cb987dbea60a31" providerId="LiveId" clId="{1AE77919-A9C8-48D4-A53C-3182F16DBDD5}" dt="2022-11-04T01:32:18.584" v="1584" actId="20577"/>
       <pc:docMkLst>
         <pc:docMk/>
       </pc:docMkLst>
       <pc:sldChg chg="modSp mod">
-        <pc:chgData name="Kenneth Goh" userId="53cb987dbea60a31" providerId="LiveId" clId="{1AE77919-A9C8-48D4-A53C-3182F16DBDD5}" dt="2022-11-03T19:42:03.002" v="73" actId="14100"/>
+        <pc:chgData name="Kenneth Goh" userId="53cb987dbea60a31" providerId="LiveId" clId="{1AE77919-A9C8-48D4-A53C-3182F16DBDD5}" dt="2022-11-04T01:00:58.654" v="817" actId="2711"/>
+        <pc:sldMkLst>
+          <pc:docMk/>
+          <pc:sldMk cId="0" sldId="261"/>
+        </pc:sldMkLst>
+        <pc:spChg chg="mod">
+          <ac:chgData name="Kenneth Goh" userId="53cb987dbea60a31" providerId="LiveId" clId="{1AE77919-A9C8-48D4-A53C-3182F16DBDD5}" dt="2022-11-04T01:00:58.654" v="817" actId="2711"/>
+          <ac:spMkLst>
+            <pc:docMk/>
+            <pc:sldMk cId="0" sldId="261"/>
+            <ac:spMk id="301" creationId="{00000000-0000-0000-0000-000000000000}"/>
+          </ac:spMkLst>
+        </pc:spChg>
+      </pc:sldChg>
+      <pc:sldChg chg="modSp mod modNotesTx">
+        <pc:chgData name="Kenneth Goh" userId="53cb987dbea60a31" providerId="LiveId" clId="{1AE77919-A9C8-48D4-A53C-3182F16DBDD5}" dt="2022-11-04T01:32:18.584" v="1584" actId="20577"/>
         <pc:sldMkLst>
           <pc:docMk/>
           <pc:sldMk cId="3344693152" sldId="290"/>
@@ -325,7 +341,7 @@
           </ac:spMkLst>
         </pc:spChg>
         <pc:spChg chg="mod">
-          <ac:chgData name="Kenneth Goh" userId="53cb987dbea60a31" providerId="LiveId" clId="{1AE77919-A9C8-48D4-A53C-3182F16DBDD5}" dt="2022-11-03T19:41:58.653" v="72" actId="14100"/>
+          <ac:chgData name="Kenneth Goh" userId="53cb987dbea60a31" providerId="LiveId" clId="{1AE77919-A9C8-48D4-A53C-3182F16DBDD5}" dt="2022-11-04T01:32:18.584" v="1584" actId="20577"/>
           <ac:spMkLst>
             <pc:docMk/>
             <pc:sldMk cId="3344693152" sldId="290"/>
@@ -338,6 +354,36 @@
             <pc:docMk/>
             <pc:sldMk cId="3344693152" sldId="290"/>
             <ac:spMk id="6" creationId="{D8EB5486-BA42-8E81-5B36-AF1F46C5B8D1}"/>
+          </ac:spMkLst>
+        </pc:spChg>
+      </pc:sldChg>
+      <pc:sldChg chg="addSp modSp mod modAnim modNotesTx">
+        <pc:chgData name="Kenneth Goh" userId="53cb987dbea60a31" providerId="LiveId" clId="{1AE77919-A9C8-48D4-A53C-3182F16DBDD5}" dt="2022-11-04T01:25:04.597" v="1477" actId="20577"/>
+        <pc:sldMkLst>
+          <pc:docMk/>
+          <pc:sldMk cId="3251447412" sldId="293"/>
+        </pc:sldMkLst>
+        <pc:spChg chg="add mod">
+          <ac:chgData name="Kenneth Goh" userId="53cb987dbea60a31" providerId="LiveId" clId="{1AE77919-A9C8-48D4-A53C-3182F16DBDD5}" dt="2022-11-04T01:07:05.908" v="854" actId="14100"/>
+          <ac:spMkLst>
+            <pc:docMk/>
+            <pc:sldMk cId="3251447412" sldId="293"/>
+            <ac:spMk id="3" creationId="{79651257-1205-9A3C-9A2D-0B8FCC941F14}"/>
+          </ac:spMkLst>
+        </pc:spChg>
+      </pc:sldChg>
+      <pc:sldChg chg="modSp mod modNotesTx">
+        <pc:chgData name="Kenneth Goh" userId="53cb987dbea60a31" providerId="LiveId" clId="{1AE77919-A9C8-48D4-A53C-3182F16DBDD5}" dt="2022-11-04T01:11:51.840" v="866" actId="20577"/>
+        <pc:sldMkLst>
+          <pc:docMk/>
+          <pc:sldMk cId="2314819726" sldId="294"/>
+        </pc:sldMkLst>
+        <pc:spChg chg="mod">
+          <ac:chgData name="Kenneth Goh" userId="53cb987dbea60a31" providerId="LiveId" clId="{1AE77919-A9C8-48D4-A53C-3182F16DBDD5}" dt="2022-11-04T01:11:51.840" v="866" actId="20577"/>
+          <ac:spMkLst>
+            <pc:docMk/>
+            <pc:sldMk cId="2314819726" sldId="294"/>
+            <ac:spMk id="3" creationId="{17CC54E5-DE2A-9F06-F854-D79533223144}"/>
           </ac:spMkLst>
         </pc:spChg>
       </pc:sldChg>
@@ -1196,7 +1242,34 @@
               </a:spcAft>
               <a:buNone/>
             </a:pPr>
-            <a:endParaRPr/>
+            <a:r>
+              <a:rPr lang="en-GB" dirty="0"/>
+              <a:t>We will look at the analysis from the data set.</a:t>
+            </a:r>
+          </a:p>
+          <a:p>
+            <a:pPr marL="0" lvl="0" indent="0" algn="l" rtl="0">
+              <a:spcBef>
+                <a:spcPts val="0"/>
+              </a:spcBef>
+              <a:spcAft>
+                <a:spcPts val="0"/>
+              </a:spcAft>
+              <a:buNone/>
+            </a:pPr>
+            <a:endParaRPr lang="en-GB" dirty="0"/>
+          </a:p>
+          <a:p>
+            <a:pPr marL="0" lvl="0" indent="0" algn="l" rtl="0">
+              <a:spcBef>
+                <a:spcPts val="0"/>
+              </a:spcBef>
+              <a:spcAft>
+                <a:spcPts val="0"/>
+              </a:spcAft>
+              <a:buNone/>
+            </a:pPr>
+            <a:endParaRPr dirty="0"/>
           </a:p>
         </p:txBody>
       </p:sp>
@@ -1414,7 +1487,84 @@
               </a:spcAft>
               <a:buNone/>
             </a:pPr>
-            <a:endParaRPr/>
+            <a:r>
+              <a:rPr lang="en-GB" dirty="0"/>
+              <a:t>Next, we compare the participation rates across geographical regions.</a:t>
+            </a:r>
+          </a:p>
+          <a:p>
+            <a:pPr marL="171450" lvl="0" indent="-171450" algn="l" rtl="0">
+              <a:spcBef>
+                <a:spcPts val="0"/>
+              </a:spcBef>
+              <a:spcAft>
+                <a:spcPts val="0"/>
+              </a:spcAft>
+              <a:buFontTx/>
+              <a:buChar char="-"/>
+            </a:pPr>
+            <a:r>
+              <a:rPr lang="en-GB" dirty="0"/>
+              <a:t>Participation rate in the Midwest is significantly lower than the rest for 3 years</a:t>
+            </a:r>
+          </a:p>
+          <a:p>
+            <a:pPr marL="171450" lvl="0" indent="-171450" algn="l" rtl="0">
+              <a:spcBef>
+                <a:spcPts val="0"/>
+              </a:spcBef>
+              <a:spcAft>
+                <a:spcPts val="0"/>
+              </a:spcAft>
+              <a:buFontTx/>
+              <a:buChar char="-"/>
+            </a:pPr>
+            <a:r>
+              <a:rPr lang="en-GB" dirty="0"/>
+              <a:t>The plot also reflects the inverse relationship – low participation in SAT, high participation in ACT - most clearly shown for the Northeast</a:t>
+            </a:r>
+          </a:p>
+          <a:p>
+            <a:pPr marL="171450" lvl="0" indent="-171450" algn="l" rtl="0">
+              <a:spcBef>
+                <a:spcPts val="0"/>
+              </a:spcBef>
+              <a:spcAft>
+                <a:spcPts val="0"/>
+              </a:spcAft>
+              <a:buFontTx/>
+              <a:buChar char="-"/>
+            </a:pPr>
+            <a:r>
+              <a:rPr lang="en-GB" dirty="0"/>
+              <a:t>Midwest identified as a suitable area to target to increase the participation rate</a:t>
+            </a:r>
+          </a:p>
+          <a:p>
+            <a:pPr marL="0" lvl="0" indent="0" algn="l" rtl="0">
+              <a:spcBef>
+                <a:spcPts val="0"/>
+              </a:spcBef>
+              <a:spcAft>
+                <a:spcPts val="0"/>
+              </a:spcAft>
+              <a:buFontTx/>
+              <a:buNone/>
+            </a:pPr>
+            <a:endParaRPr lang="en-GB" dirty="0"/>
+          </a:p>
+          <a:p>
+            <a:pPr marL="171450" lvl="0" indent="-171450" algn="l" rtl="0">
+              <a:spcBef>
+                <a:spcPts val="0"/>
+              </a:spcBef>
+              <a:spcAft>
+                <a:spcPts val="0"/>
+              </a:spcAft>
+              <a:buFontTx/>
+              <a:buChar char="-"/>
+            </a:pPr>
+            <a:endParaRPr dirty="0"/>
           </a:p>
         </p:txBody>
       </p:sp>
@@ -1523,7 +1673,79 @@
               </a:spcAft>
               <a:buNone/>
             </a:pPr>
-            <a:endParaRPr/>
+            <a:r>
+              <a:rPr lang="en-GB" dirty="0"/>
+              <a:t>Next, we zoom into the Midwest, and found that 9 out of the 12 states have recorded &lt;20%  participation for SAT test. </a:t>
+            </a:r>
+          </a:p>
+          <a:p>
+            <a:pPr marL="171450" lvl="0" indent="-171450" algn="l" rtl="0">
+              <a:spcBef>
+                <a:spcPts val="0"/>
+              </a:spcBef>
+              <a:spcAft>
+                <a:spcPts val="0"/>
+              </a:spcAft>
+              <a:buFontTx/>
+              <a:buChar char="-"/>
+            </a:pPr>
+            <a:r>
+              <a:rPr lang="en-GB" dirty="0" err="1"/>
+              <a:t>Illiois</a:t>
+            </a:r>
+            <a:r>
+              <a:rPr lang="en-GB" dirty="0"/>
+              <a:t> and Michigan – mandatory SAT; Wisconsin – mandatory ACT</a:t>
+            </a:r>
+          </a:p>
+          <a:p>
+            <a:pPr marL="171450" lvl="0" indent="-171450" algn="l" rtl="0">
+              <a:spcBef>
+                <a:spcPts val="0"/>
+              </a:spcBef>
+              <a:spcAft>
+                <a:spcPts val="0"/>
+              </a:spcAft>
+              <a:buFontTx/>
+              <a:buChar char="-"/>
+            </a:pPr>
+            <a:r>
+              <a:rPr lang="en-GB" dirty="0"/>
+              <a:t>Students in the remaining states typically take ACT</a:t>
+            </a:r>
+          </a:p>
+          <a:p>
+            <a:pPr marL="171450" lvl="0" indent="-171450" algn="l" rtl="0">
+              <a:spcBef>
+                <a:spcPts val="0"/>
+              </a:spcBef>
+              <a:spcAft>
+                <a:spcPts val="0"/>
+              </a:spcAft>
+              <a:buFontTx/>
+              <a:buChar char="-"/>
+            </a:pPr>
+            <a:r>
+              <a:rPr lang="en-GB" dirty="0"/>
+              <a:t>Low baseline = high growth potential</a:t>
+            </a:r>
+          </a:p>
+          <a:p>
+            <a:pPr marL="171450" lvl="0" indent="-171450" algn="l" rtl="0">
+              <a:spcBef>
+                <a:spcPts val="0"/>
+              </a:spcBef>
+              <a:spcAft>
+                <a:spcPts val="0"/>
+              </a:spcAft>
+              <a:buFontTx/>
+              <a:buChar char="-"/>
+            </a:pPr>
+            <a:r>
+              <a:rPr lang="en-GB" dirty="0"/>
+              <a:t>8 states combined = 356,000 students</a:t>
+            </a:r>
+            <a:endParaRPr dirty="0"/>
           </a:p>
         </p:txBody>
       </p:sp>
@@ -8786,7 +9008,8 @@
                   <a:srgbClr val="000000"/>
                 </a:solidFill>
                 <a:effectLst/>
-                <a:latin typeface="Helvetica Neue"/>
+                <a:latin typeface="Roboto" panose="02000000000000000000" pitchFamily="2" charset="0"/>
+                <a:ea typeface="Roboto" panose="02000000000000000000" pitchFamily="2" charset="0"/>
               </a:rPr>
               <a:t>The </a:t>
             </a:r>
@@ -8796,7 +9019,8 @@
                   <a:srgbClr val="000000"/>
                 </a:solidFill>
                 <a:effectLst/>
-                <a:latin typeface="Helvetica Neue"/>
+                <a:latin typeface="Roboto" panose="02000000000000000000" pitchFamily="2" charset="0"/>
+                <a:ea typeface="Roboto" panose="02000000000000000000" pitchFamily="2" charset="0"/>
               </a:rPr>
               <a:t>new format for the SAT was released </a:t>
             </a:r>
@@ -8806,7 +9030,8 @@
                   <a:srgbClr val="000000"/>
                 </a:solidFill>
                 <a:effectLst/>
-                <a:latin typeface="Helvetica Neue"/>
+                <a:latin typeface="Roboto" panose="02000000000000000000" pitchFamily="2" charset="0"/>
+                <a:ea typeface="Roboto" panose="02000000000000000000" pitchFamily="2" charset="0"/>
               </a:rPr>
               <a:t>in March 2016 in a bid to increase participation rate. Since then, </a:t>
             </a:r>
@@ -8816,7 +9041,8 @@
                   <a:srgbClr val="000000"/>
                 </a:solidFill>
                 <a:effectLst/>
-                <a:latin typeface="Helvetica Neue"/>
+                <a:latin typeface="Roboto" panose="02000000000000000000" pitchFamily="2" charset="0"/>
+                <a:ea typeface="Roboto" panose="02000000000000000000" pitchFamily="2" charset="0"/>
               </a:rPr>
               <a:t>levels of participation in multiple states have changed </a:t>
             </a:r>
@@ -8826,7 +9052,8 @@
                   <a:srgbClr val="000000"/>
                 </a:solidFill>
                 <a:effectLst/>
-                <a:latin typeface="Helvetica Neue"/>
+                <a:latin typeface="Roboto" panose="02000000000000000000" pitchFamily="2" charset="0"/>
+                <a:ea typeface="Roboto" panose="02000000000000000000" pitchFamily="2" charset="0"/>
               </a:rPr>
               <a:t>with varying legislative decisions. This project aims to </a:t>
             </a:r>
@@ -8836,7 +9063,8 @@
                   <a:srgbClr val="000000"/>
                 </a:solidFill>
                 <a:effectLst/>
-                <a:latin typeface="Helvetica Neue"/>
+                <a:latin typeface="Roboto" panose="02000000000000000000" pitchFamily="2" charset="0"/>
+                <a:ea typeface="Roboto" panose="02000000000000000000" pitchFamily="2" charset="0"/>
               </a:rPr>
               <a:t>explore trends in the participation </a:t>
             </a:r>
@@ -8845,7 +9073,8 @@
                 <a:solidFill>
                   <a:srgbClr val="000000"/>
                 </a:solidFill>
-                <a:latin typeface="Helvetica Neue"/>
+                <a:latin typeface="Roboto" panose="02000000000000000000" pitchFamily="2" charset="0"/>
+                <a:ea typeface="Roboto" panose="02000000000000000000" pitchFamily="2" charset="0"/>
               </a:rPr>
               <a:t>rates </a:t>
             </a:r>
@@ -8854,7 +9083,8 @@
                 <a:solidFill>
                   <a:srgbClr val="000000"/>
                 </a:solidFill>
-                <a:latin typeface="Helvetica Neue"/>
+                <a:latin typeface="Roboto" panose="02000000000000000000" pitchFamily="2" charset="0"/>
+                <a:ea typeface="Roboto" panose="02000000000000000000" pitchFamily="2" charset="0"/>
               </a:rPr>
               <a:t>of the </a:t>
             </a:r>
@@ -8864,7 +9094,8 @@
                   <a:srgbClr val="000000"/>
                 </a:solidFill>
                 <a:effectLst/>
-                <a:latin typeface="Helvetica Neue"/>
+                <a:latin typeface="Roboto" panose="02000000000000000000" pitchFamily="2" charset="0"/>
+                <a:ea typeface="Roboto" panose="02000000000000000000" pitchFamily="2" charset="0"/>
               </a:rPr>
               <a:t>SAT and ACT tests for the three-year period (2017-2019) and </a:t>
             </a:r>
@@ -8874,7 +9105,8 @@
                   <a:srgbClr val="000000"/>
                 </a:solidFill>
                 <a:effectLst/>
-                <a:latin typeface="Helvetica Neue"/>
+                <a:latin typeface="Roboto" panose="02000000000000000000" pitchFamily="2" charset="0"/>
+                <a:ea typeface="Roboto" panose="02000000000000000000" pitchFamily="2" charset="0"/>
               </a:rPr>
               <a:t>seeks to identify regions/states that have the lowest SAT participation rates</a:t>
             </a:r>
@@ -8884,11 +9116,15 @@
                   <a:srgbClr val="000000"/>
                 </a:solidFill>
                 <a:effectLst/>
-                <a:latin typeface="Helvetica Neue"/>
+                <a:latin typeface="Roboto" panose="02000000000000000000" pitchFamily="2" charset="0"/>
+                <a:ea typeface="Roboto" panose="02000000000000000000" pitchFamily="2" charset="0"/>
               </a:rPr>
               <a:t> as potential high growth areas.</a:t>
             </a:r>
-            <a:endParaRPr sz="1500" dirty="0"/>
+            <a:endParaRPr sz="1500" dirty="0">
+              <a:latin typeface="Roboto" panose="02000000000000000000" pitchFamily="2" charset="0"/>
+              <a:ea typeface="Roboto" panose="02000000000000000000" pitchFamily="2" charset="0"/>
+            </a:endParaRPr>
           </a:p>
         </p:txBody>
       </p:sp>
@@ -11706,6 +11942,58 @@
           </a:p>
         </p:txBody>
       </p:sp>
+      <p:sp>
+        <p:nvSpPr>
+          <p:cNvPr id="3" name="Rectangle 2">
+            <a:extLst>
+              <a:ext uri="{FF2B5EF4-FFF2-40B4-BE49-F238E27FC236}">
+                <a16:creationId xmlns:a16="http://schemas.microsoft.com/office/drawing/2014/main" id="{79651257-1205-9A3C-9A2D-0B8FCC941F14}"/>
+              </a:ext>
+            </a:extLst>
+          </p:cNvPr>
+          <p:cNvSpPr/>
+          <p:nvPr/>
+        </p:nvSpPr>
+        <p:spPr>
+          <a:xfrm>
+            <a:off x="894159" y="1157542"/>
+            <a:ext cx="755027" cy="2328608"/>
+          </a:xfrm>
+          <a:prstGeom prst="rect">
+            <a:avLst/>
+          </a:prstGeom>
+          <a:noFill/>
+          <a:ln w="28575">
+            <a:solidFill>
+              <a:srgbClr val="FF0000"/>
+            </a:solidFill>
+          </a:ln>
+        </p:spPr>
+        <p:style>
+          <a:lnRef idx="2">
+            <a:schemeClr val="accent1">
+              <a:shade val="50000"/>
+            </a:schemeClr>
+          </a:lnRef>
+          <a:fillRef idx="1">
+            <a:schemeClr val="accent1"/>
+          </a:fillRef>
+          <a:effectRef idx="0">
+            <a:schemeClr val="accent1"/>
+          </a:effectRef>
+          <a:fontRef idx="minor">
+            <a:schemeClr val="lt1"/>
+          </a:fontRef>
+        </p:style>
+        <p:txBody>
+          <a:bodyPr rtlCol="0" anchor="ctr"/>
+          <a:lstStyle/>
+          <a:p>
+            <a:pPr algn="ctr"/>
+            <a:endParaRPr lang="en-SG" dirty="0"/>
+          </a:p>
+        </p:txBody>
+      </p:sp>
     </p:spTree>
     <p:extLst>
       <p:ext uri="{BB962C8B-B14F-4D97-AF65-F5344CB8AC3E}">
@@ -11716,6 +12004,92 @@
   <p:clrMapOvr>
     <a:masterClrMapping/>
   </p:clrMapOvr>
+  <p:timing>
+    <p:tnLst>
+      <p:par>
+        <p:cTn id="1" dur="indefinite" restart="never" nodeType="tmRoot">
+          <p:childTnLst>
+            <p:seq concurrent="1" nextAc="seek">
+              <p:cTn id="2" dur="indefinite" nodeType="mainSeq">
+                <p:childTnLst>
+                  <p:par>
+                    <p:cTn id="3" fill="hold">
+                      <p:stCondLst>
+                        <p:cond delay="indefinite"/>
+                      </p:stCondLst>
+                      <p:childTnLst>
+                        <p:par>
+                          <p:cTn id="4" fill="hold">
+                            <p:stCondLst>
+                              <p:cond delay="0"/>
+                            </p:stCondLst>
+                            <p:childTnLst>
+                              <p:par>
+                                <p:cTn id="5" presetID="10" presetClass="entr" presetSubtype="0" fill="hold" grpId="0" nodeType="clickEffect">
+                                  <p:stCondLst>
+                                    <p:cond delay="0"/>
+                                  </p:stCondLst>
+                                  <p:childTnLst>
+                                    <p:set>
+                                      <p:cBhvr>
+                                        <p:cTn id="6" dur="1" fill="hold">
+                                          <p:stCondLst>
+                                            <p:cond delay="0"/>
+                                          </p:stCondLst>
+                                        </p:cTn>
+                                        <p:tgtEl>
+                                          <p:spTgt spid="3"/>
+                                        </p:tgtEl>
+                                        <p:attrNameLst>
+                                          <p:attrName>style.visibility</p:attrName>
+                                        </p:attrNameLst>
+                                      </p:cBhvr>
+                                      <p:to>
+                                        <p:strVal val="visible"/>
+                                      </p:to>
+                                    </p:set>
+                                    <p:animEffect transition="in" filter="fade">
+                                      <p:cBhvr>
+                                        <p:cTn id="7" dur="500"/>
+                                        <p:tgtEl>
+                                          <p:spTgt spid="3"/>
+                                        </p:tgtEl>
+                                      </p:cBhvr>
+                                    </p:animEffect>
+                                  </p:childTnLst>
+                                </p:cTn>
+                              </p:par>
+                            </p:childTnLst>
+                          </p:cTn>
+                        </p:par>
+                      </p:childTnLst>
+                    </p:cTn>
+                  </p:par>
+                </p:childTnLst>
+              </p:cTn>
+              <p:prevCondLst>
+                <p:cond evt="onPrev" delay="0">
+                  <p:tgtEl>
+                    <p:sldTgt/>
+                  </p:tgtEl>
+                </p:cond>
+              </p:prevCondLst>
+              <p:nextCondLst>
+                <p:cond evt="onNext" delay="0">
+                  <p:tgtEl>
+                    <p:sldTgt/>
+                  </p:tgtEl>
+                </p:cond>
+              </p:nextCondLst>
+            </p:seq>
+          </p:childTnLst>
+        </p:cTn>
+      </p:par>
+    </p:tnLst>
+    <p:bldLst>
+      <p:bldP spid="3" grpId="0" animBg="1"/>
+    </p:bldLst>
+  </p:timing>
 </p:sld>
 </file>
 
@@ -12315,7 +12689,7 @@
                 <a:cs typeface="Roboto"/>
                 <a:sym typeface="Roboto"/>
               </a:rPr>
-              <a:t>Midwest is identified as a suitable area to target to increase the SAT participation rate</a:t>
+              <a:t>Midwest is identified as a suitable target area to increase the SAT participation rate</a:t>
             </a:r>
             <a:endParaRPr sz="1100" dirty="0">
               <a:solidFill>
@@ -12705,7 +13079,7 @@
         <p:spPr>
           <a:xfrm>
             <a:off x="6809875" y="1144838"/>
-            <a:ext cx="1933324" cy="3523413"/>
+            <a:ext cx="2023882" cy="3523413"/>
           </a:xfrm>
           <a:prstGeom prst="rect">
             <a:avLst/>
@@ -12813,7 +13187,19 @@
                 <a:cs typeface="Roboto"/>
                 <a:sym typeface="Roboto"/>
               </a:rPr>
-              <a:t>Potential number of gradutating students a year: </a:t>
+              <a:t>Potential number of gradutating students </a:t>
+            </a:r>
+            <a:r>
+              <a:rPr lang="en" sz="1100">
+                <a:solidFill>
+                  <a:schemeClr val="dk1"/>
+                </a:solidFill>
+                <a:latin typeface="Roboto"/>
+                <a:ea typeface="Roboto"/>
+                <a:cs typeface="Roboto"/>
+                <a:sym typeface="Roboto"/>
+              </a:rPr>
+              <a:t>a year (8 states): </a:t>
             </a:r>
             <a:r>
               <a:rPr lang="en" sz="1100" b="1" dirty="0">
@@ -12825,8 +13211,29 @@
                 <a:cs typeface="Roboto"/>
                 <a:sym typeface="Roboto"/>
               </a:rPr>
-              <a:t>~356,000</a:t>
+              <a:t>~356,000 </a:t>
             </a:r>
+            <a:r>
+              <a:rPr lang="en" sz="800" dirty="0">
+                <a:solidFill>
+                  <a:schemeClr val="dk1"/>
+                </a:solidFill>
+                <a:latin typeface="Roboto"/>
+                <a:ea typeface="Roboto"/>
+                <a:cs typeface="Roboto"/>
+                <a:sym typeface="Roboto"/>
+              </a:rPr>
+              <a:t>(excl. Wisconsin)</a:t>
+            </a:r>
+            <a:endParaRPr lang="en" sz="1050" dirty="0">
+              <a:solidFill>
+                <a:schemeClr val="dk1"/>
+              </a:solidFill>
+              <a:latin typeface="Roboto"/>
+              <a:ea typeface="Roboto"/>
+              <a:cs typeface="Roboto"/>
+              <a:sym typeface="Roboto"/>
+            </a:endParaRPr>
           </a:p>
           <a:p>
             <a:pPr marL="171450" lvl="0" indent="-171450" algn="l" rtl="0">
